--- a/15_Ch15_SpringMVC.pptx
+++ b/15_Ch15_SpringMVC.pptx
@@ -3723,23 +3723,20 @@
               <a:t>This is the second part of  Spring Boot, we will have proper response for all those </a:t>
             </a:r>
             <a:r>
-              <a:rPr lang="en-US" altLang="zh-TW" sz="1600" b="1" dirty="0" err="1" smtClean="0">
-                <a:solidFill>
-                  <a:schemeClr val="tx1"/>
-                </a:solidFill>
-                <a:latin typeface="+mj-lt"/>
-              </a:rPr>
-              <a:t>requests.ur</a:t>
-            </a:r>
-            <a:r>
               <a:rPr lang="en-US" altLang="zh-TW" sz="1600" b="1" dirty="0" smtClean="0">
                 <a:solidFill>
                   <a:schemeClr val="tx1"/>
                 </a:solidFill>
                 <a:latin typeface="+mj-lt"/>
               </a:rPr>
-              <a:t> </a:t>
-            </a:r>
+              <a:t>requests. </a:t>
+            </a:r>
+            <a:endParaRPr lang="en-US" altLang="zh-TW" sz="1600" b="1" dirty="0" smtClean="0">
+              <a:solidFill>
+                <a:schemeClr val="tx1"/>
+              </a:solidFill>
+              <a:latin typeface="+mj-lt"/>
+            </a:endParaRPr>
           </a:p>
           <a:p>
             <a:pPr marL="342900" indent="-342900" algn="l">
@@ -3814,25 +3811,7 @@
                 </a:solidFill>
                 <a:latin typeface="+mj-lt"/>
               </a:rPr>
-              <a:t>The spring boot framework handle called spring </a:t>
-            </a:r>
-            <a:r>
-              <a:rPr lang="en-US" altLang="zh-TW" sz="1600" b="1" dirty="0" smtClean="0">
-                <a:solidFill>
-                  <a:schemeClr val="tx1"/>
-                </a:solidFill>
-                <a:latin typeface="+mj-lt"/>
-              </a:rPr>
-              <a:t>MVC which is a another project in the spring framework umbrella</a:t>
-            </a:r>
-            <a:r>
-              <a:rPr lang="en-US" altLang="zh-TW" sz="1600" b="1" dirty="0" smtClean="0">
-                <a:solidFill>
-                  <a:schemeClr val="tx1"/>
-                </a:solidFill>
-                <a:latin typeface="+mj-lt"/>
-              </a:rPr>
-              <a:t>.</a:t>
+              <a:t>The spring boot framework handle called spring MVC which is a another project in the spring framework umbrella.</a:t>
             </a:r>
           </a:p>
           <a:p>
